--- a/help/User-Guide-SSB-Retuning-Automations-v0.7.1.pptx
+++ b/help/User-Guide-SSB-Retuning-Automations-v0.7.1.pptx
@@ -6653,7 +6653,7 @@
           <a:lstStyle/>
           <a:p>
             <a:r>
-              <a:t>Module 1 in detail: Summary Audit</a:t>
+              <a:t>Configuration Audit module in detail</a:t>
             </a:r>
           </a:p>
           <a:p>
@@ -6665,7 +6665,7 @@
               </a:defRPr>
             </a:pPr>
             <a:r>
-              <a:t>Evaluation philosophy</a:t>
+              <a:t>SummaryAudit checks philosophy</a:t>
             </a:r>
           </a:p>
         </p:txBody>
@@ -6756,7 +6756,7 @@
           <a:lstStyle/>
           <a:p>
             <a:r>
-              <a:t>Module 1 in detail: Summary Audit</a:t>
+              <a:t>Configuration Audit module in detail</a:t>
             </a:r>
           </a:p>
           <a:p>
@@ -6895,7 +6895,7 @@
           <a:lstStyle/>
           <a:p>
             <a:r>
-              <a:t>Module 1 in detail: Summary Audit</a:t>
+              <a:t>Configuration Audit module in detail</a:t>
             </a:r>
           </a:p>
           <a:p>
@@ -7097,7 +7097,7 @@
           <a:lstStyle/>
           <a:p>
             <a:r>
-              <a:t>Module 1 in detail: Summary Audit</a:t>
+              <a:t>Configuration Audit module in detail</a:t>
             </a:r>
           </a:p>
           <a:p>
@@ -7290,7 +7290,7 @@
           <a:lstStyle/>
           <a:p>
             <a:r>
-              <a:t>Module 1 in detail: Summary Audit</a:t>
+              <a:t>Configuration Audit module in detail</a:t>
             </a:r>
           </a:p>
           <a:p>
